--- a/paper/Closing the AI Accountability Gap- Defining an End-to-End Framework for Internal Algorithmic.pptx
+++ b/paper/Closing the AI Accountability Gap- Defining an End-to-End Framework for Internal Algorithmic.pptx
@@ -5,10 +5,10 @@
     <p:sldMasterId id="2147483648" r:id="rId4"/>
   </p:sldMasterIdLst>
   <p:notesMasterIdLst>
-    <p:notesMasterId r:id="rId15"/>
+    <p:notesMasterId r:id="rId17"/>
   </p:notesMasterIdLst>
   <p:handoutMasterIdLst>
-    <p:handoutMasterId r:id="rId16"/>
+    <p:handoutMasterId r:id="rId18"/>
   </p:handoutMasterIdLst>
   <p:sldIdLst>
     <p:sldId id="256" r:id="rId5"/>
@@ -21,6 +21,8 @@
     <p:sldId id="263" r:id="rId12"/>
     <p:sldId id="264" r:id="rId13"/>
     <p:sldId id="265" r:id="rId14"/>
+    <p:sldId id="266" r:id="rId15"/>
+    <p:sldId id="267" r:id="rId16"/>
   </p:sldIdLst>
   <p:sldSz cx="9144000" cy="6858000" type="screen4x3"/>
   <p:notesSz cx="6858000" cy="9144000"/>
@@ -2584,6 +2586,56 @@
             </a:r>
           </a:p>
           <a:p>
+            <a:pPr lvl="4">
+              <a:buFont typeface="Arial" panose="020B0604020202020204" pitchFamily="34" charset="0"/>
+              <a:buChar char="•"/>
+            </a:pPr>
+            <a:r>
+              <a:rPr lang="en-US" altLang="zh-CN" dirty="0"/>
+              <a:t>Executed</a:t>
+            </a:r>
+            <a:r>
+              <a:rPr lang="zh-CN" altLang="en-US" dirty="0"/>
+              <a:t> </a:t>
+            </a:r>
+            <a:r>
+              <a:rPr lang="en-US" altLang="zh-CN" dirty="0"/>
+              <a:t>in</a:t>
+            </a:r>
+            <a:r>
+              <a:rPr lang="zh-CN" altLang="en-US" dirty="0"/>
+              <a:t> </a:t>
+            </a:r>
+            <a:r>
+              <a:rPr lang="en-US" altLang="zh-CN" dirty="0"/>
+              <a:t>both</a:t>
+            </a:r>
+            <a:r>
+              <a:rPr lang="zh-CN" altLang="en-US" dirty="0"/>
+              <a:t> </a:t>
+            </a:r>
+            <a:r>
+              <a:rPr lang="en-US" altLang="zh-CN" dirty="0"/>
+              <a:t>pre-release</a:t>
+            </a:r>
+            <a:r>
+              <a:rPr lang="zh-CN" altLang="en-US" dirty="0"/>
+              <a:t> </a:t>
+            </a:r>
+            <a:r>
+              <a:rPr lang="en-US" altLang="zh-CN" dirty="0"/>
+              <a:t>and</a:t>
+            </a:r>
+            <a:r>
+              <a:rPr lang="zh-CN" altLang="en-US" dirty="0"/>
+              <a:t> </a:t>
+            </a:r>
+            <a:r>
+              <a:rPr lang="en-US" altLang="zh-CN" dirty="0"/>
+              <a:t>post-launch</a:t>
+            </a:r>
+          </a:p>
+          <a:p>
             <a:pPr lvl="3">
               <a:buFont typeface="Arial" panose="020B0604020202020204" pitchFamily="34" charset="0"/>
               <a:buChar char="•"/>
@@ -2615,6 +2667,80 @@
             <a:r>
               <a:rPr lang="en-US" altLang="zh-CN" dirty="0"/>
               <a:t>chart</a:t>
+            </a:r>
+          </a:p>
+          <a:p>
+            <a:pPr lvl="4">
+              <a:buFont typeface="Arial" panose="020B0604020202020204" pitchFamily="34" charset="0"/>
+              <a:buChar char="•"/>
+            </a:pPr>
+            <a:r>
+              <a:rPr lang="en-US" altLang="zh-CN" dirty="0"/>
+              <a:t>Considers</a:t>
+            </a:r>
+            <a:r>
+              <a:rPr lang="zh-CN" altLang="en-US" dirty="0"/>
+              <a:t> </a:t>
+            </a:r>
+            <a:r>
+              <a:rPr lang="en-US" altLang="zh-CN" dirty="0"/>
+              <a:t>the</a:t>
+            </a:r>
+            <a:r>
+              <a:rPr lang="zh-CN" altLang="en-US" dirty="0"/>
+              <a:t> </a:t>
+            </a:r>
+            <a:r>
+              <a:rPr lang="en-US" altLang="zh-CN" dirty="0"/>
+              <a:t>likelihood</a:t>
+            </a:r>
+            <a:r>
+              <a:rPr lang="zh-CN" altLang="en-US" dirty="0"/>
+              <a:t> </a:t>
+            </a:r>
+            <a:r>
+              <a:rPr lang="en-US" altLang="zh-CN" dirty="0"/>
+              <a:t>and</a:t>
+            </a:r>
+            <a:r>
+              <a:rPr lang="zh-CN" altLang="en-US" dirty="0"/>
+              <a:t> </a:t>
+            </a:r>
+            <a:r>
+              <a:rPr lang="en-US" altLang="zh-CN" dirty="0"/>
+              <a:t>the</a:t>
+            </a:r>
+            <a:r>
+              <a:rPr lang="zh-CN" altLang="en-US" dirty="0"/>
+              <a:t> </a:t>
+            </a:r>
+            <a:r>
+              <a:rPr lang="en-US" altLang="zh-CN" dirty="0"/>
+              <a:t>severity</a:t>
+            </a:r>
+            <a:r>
+              <a:rPr lang="zh-CN" altLang="en-US" dirty="0"/>
+              <a:t> </a:t>
+            </a:r>
+            <a:r>
+              <a:rPr lang="en-US" altLang="zh-CN" dirty="0"/>
+              <a:t>of</a:t>
+            </a:r>
+            <a:r>
+              <a:rPr lang="zh-CN" altLang="en-US" dirty="0"/>
+              <a:t> </a:t>
+            </a:r>
+            <a:r>
+              <a:rPr lang="en-US" altLang="zh-CN" dirty="0"/>
+              <a:t>a</a:t>
+            </a:r>
+            <a:r>
+              <a:rPr lang="zh-CN" altLang="en-US" dirty="0"/>
+              <a:t> </a:t>
+            </a:r>
+            <a:r>
+              <a:rPr lang="en-US" altLang="zh-CN" dirty="0"/>
+              <a:t>failure</a:t>
             </a:r>
           </a:p>
         </p:txBody>
@@ -2653,6 +2779,623 @@
     <p:extLst>
       <p:ext uri="{BB962C8B-B14F-4D97-AF65-F5344CB8AC3E}">
         <p14:creationId xmlns:p14="http://schemas.microsoft.com/office/powerpoint/2010/main" val="2020228976"/>
+      </p:ext>
+    </p:extLst>
+  </p:cSld>
+  <p:clrMapOvr>
+    <a:masterClrMapping/>
+  </p:clrMapOvr>
+</p:sld>
+</file>
+
+<file path=ppt/slides/slide11.xml><?xml version="1.0" encoding="utf-8"?>
+<p:sld xmlns:a="http://schemas.openxmlformats.org/drawingml/2006/main" xmlns:r="http://schemas.openxmlformats.org/officeDocument/2006/relationships" xmlns:p="http://schemas.openxmlformats.org/presentationml/2006/main">
+  <p:cSld>
+    <p:spTree>
+      <p:nvGrpSpPr>
+        <p:cNvPr id="1" name=""/>
+        <p:cNvGrpSpPr/>
+        <p:nvPr/>
+      </p:nvGrpSpPr>
+      <p:grpSpPr>
+        <a:xfrm>
+          <a:off x="0" y="0"/>
+          <a:ext cx="0" cy="0"/>
+          <a:chOff x="0" y="0"/>
+          <a:chExt cx="0" cy="0"/>
+        </a:xfrm>
+      </p:grpSpPr>
+      <p:sp>
+        <p:nvSpPr>
+          <p:cNvPr id="2" name="Title 1">
+            <a:extLst>
+              <a:ext uri="{FF2B5EF4-FFF2-40B4-BE49-F238E27FC236}">
+                <a16:creationId xmlns:a16="http://schemas.microsoft.com/office/drawing/2014/main" id="{F05AD2D2-ED95-D144-9A76-6E200F8EC8B2}"/>
+              </a:ext>
+            </a:extLst>
+          </p:cNvPr>
+          <p:cNvSpPr>
+            <a:spLocks noGrp="1"/>
+          </p:cNvSpPr>
+          <p:nvPr>
+            <p:ph type="title"/>
+          </p:nvPr>
+        </p:nvSpPr>
+        <p:spPr/>
+        <p:txBody>
+          <a:bodyPr/>
+          <a:lstStyle/>
+          <a:p>
+            <a:r>
+              <a:rPr lang="en-US" altLang="zh-CN" dirty="0"/>
+              <a:t>The</a:t>
+            </a:r>
+            <a:r>
+              <a:rPr lang="zh-CN" altLang="en-US" dirty="0"/>
+              <a:t> </a:t>
+            </a:r>
+            <a:r>
+              <a:rPr lang="en-US" altLang="zh-CN" dirty="0"/>
+              <a:t>approach</a:t>
+            </a:r>
+            <a:endParaRPr lang="en-AU" dirty="0"/>
+          </a:p>
+        </p:txBody>
+      </p:sp>
+      <p:sp>
+        <p:nvSpPr>
+          <p:cNvPr id="3" name="Text Placeholder 2">
+            <a:extLst>
+              <a:ext uri="{FF2B5EF4-FFF2-40B4-BE49-F238E27FC236}">
+                <a16:creationId xmlns:a16="http://schemas.microsoft.com/office/drawing/2014/main" id="{ADC5F0DE-5F10-754E-8C2D-98C827FD027F}"/>
+              </a:ext>
+            </a:extLst>
+          </p:cNvPr>
+          <p:cNvSpPr>
+            <a:spLocks noGrp="1"/>
+          </p:cNvSpPr>
+          <p:nvPr>
+            <p:ph type="body" idx="10"/>
+          </p:nvPr>
+        </p:nvSpPr>
+        <p:spPr/>
+        <p:txBody>
+          <a:bodyPr/>
+          <a:lstStyle/>
+          <a:p>
+            <a:r>
+              <a:rPr lang="en-US" altLang="zh-CN" b="1" dirty="0"/>
+              <a:t>The</a:t>
+            </a:r>
+            <a:r>
+              <a:rPr lang="zh-CN" altLang="en-US" b="1" dirty="0"/>
+              <a:t> </a:t>
+            </a:r>
+            <a:r>
+              <a:rPr lang="en-US" altLang="zh-CN" b="1" dirty="0"/>
+              <a:t>reflection</a:t>
+            </a:r>
+            <a:r>
+              <a:rPr lang="zh-CN" altLang="en-US" b="1" dirty="0"/>
+              <a:t> </a:t>
+            </a:r>
+            <a:r>
+              <a:rPr lang="en-US" altLang="zh-CN" b="1" dirty="0"/>
+              <a:t>stage</a:t>
+            </a:r>
+          </a:p>
+          <a:p>
+            <a:pPr marL="269875" lvl="2" indent="0">
+              <a:buNone/>
+            </a:pPr>
+            <a:r>
+              <a:rPr lang="en-US" altLang="zh-CN" dirty="0"/>
+              <a:t>Artifact:</a:t>
+            </a:r>
+          </a:p>
+          <a:p>
+            <a:pPr lvl="3">
+              <a:buFont typeface="Arial" panose="020B0604020202020204" pitchFamily="34" charset="0"/>
+              <a:buChar char="•"/>
+            </a:pPr>
+            <a:r>
+              <a:rPr lang="en-US" altLang="zh-CN" dirty="0"/>
+              <a:t>Mitigation/Action</a:t>
+            </a:r>
+            <a:r>
+              <a:rPr lang="zh-CN" altLang="en-US" dirty="0"/>
+              <a:t> </a:t>
+            </a:r>
+            <a:r>
+              <a:rPr lang="en-US" altLang="zh-CN" dirty="0"/>
+              <a:t>plan,</a:t>
+            </a:r>
+            <a:r>
+              <a:rPr lang="zh-CN" altLang="en-US" dirty="0"/>
+              <a:t> </a:t>
+            </a:r>
+            <a:r>
+              <a:rPr lang="en-US" altLang="zh-CN" dirty="0"/>
+              <a:t>developed</a:t>
+            </a:r>
+            <a:r>
+              <a:rPr lang="zh-CN" altLang="en-US" dirty="0"/>
+              <a:t> </a:t>
+            </a:r>
+            <a:r>
+              <a:rPr lang="en-US" altLang="zh-CN" dirty="0"/>
+              <a:t>by</a:t>
+            </a:r>
+            <a:r>
+              <a:rPr lang="zh-CN" altLang="en-US" dirty="0"/>
+              <a:t> </a:t>
+            </a:r>
+            <a:r>
+              <a:rPr lang="en-US" altLang="zh-CN" dirty="0"/>
+              <a:t>both</a:t>
+            </a:r>
+            <a:r>
+              <a:rPr lang="zh-CN" altLang="en-US" dirty="0"/>
+              <a:t> </a:t>
+            </a:r>
+            <a:r>
+              <a:rPr lang="en-US" altLang="zh-CN" dirty="0"/>
+              <a:t>audit</a:t>
+            </a:r>
+            <a:r>
+              <a:rPr lang="zh-CN" altLang="en-US" dirty="0"/>
+              <a:t> </a:t>
+            </a:r>
+            <a:r>
+              <a:rPr lang="en-US" altLang="zh-CN" dirty="0"/>
+              <a:t>and</a:t>
+            </a:r>
+            <a:r>
+              <a:rPr lang="zh-CN" altLang="en-US" dirty="0"/>
+              <a:t> </a:t>
+            </a:r>
+            <a:r>
+              <a:rPr lang="en-US" altLang="zh-CN" dirty="0"/>
+              <a:t>engineering</a:t>
+            </a:r>
+            <a:r>
+              <a:rPr lang="zh-CN" altLang="en-US" dirty="0"/>
+              <a:t> </a:t>
+            </a:r>
+            <a:r>
+              <a:rPr lang="en-US" altLang="zh-CN" dirty="0"/>
+              <a:t>teams</a:t>
+            </a:r>
+          </a:p>
+          <a:p>
+            <a:pPr lvl="3">
+              <a:buFont typeface="Arial" panose="020B0604020202020204" pitchFamily="34" charset="0"/>
+              <a:buChar char="•"/>
+            </a:pPr>
+            <a:r>
+              <a:rPr lang="en-US" altLang="zh-CN" dirty="0"/>
+              <a:t>Algorithmic</a:t>
+            </a:r>
+            <a:r>
+              <a:rPr lang="zh-CN" altLang="en-US" dirty="0"/>
+              <a:t> </a:t>
+            </a:r>
+            <a:r>
+              <a:rPr lang="en-US" altLang="zh-CN" dirty="0"/>
+              <a:t>use-related</a:t>
+            </a:r>
+            <a:r>
+              <a:rPr lang="zh-CN" altLang="en-US" dirty="0"/>
+              <a:t> </a:t>
+            </a:r>
+            <a:r>
+              <a:rPr lang="en-US" altLang="zh-CN" dirty="0"/>
+              <a:t>risk</a:t>
+            </a:r>
+            <a:r>
+              <a:rPr lang="zh-CN" altLang="en-US" dirty="0"/>
+              <a:t> </a:t>
+            </a:r>
+            <a:r>
+              <a:rPr lang="en-US" altLang="zh-CN" dirty="0"/>
+              <a:t>analysis</a:t>
+            </a:r>
+            <a:r>
+              <a:rPr lang="zh-CN" altLang="en-US" dirty="0"/>
+              <a:t> </a:t>
+            </a:r>
+            <a:r>
+              <a:rPr lang="en-US" altLang="zh-CN" dirty="0"/>
+              <a:t>and</a:t>
+            </a:r>
+            <a:r>
+              <a:rPr lang="zh-CN" altLang="en-US" dirty="0"/>
+              <a:t> </a:t>
+            </a:r>
+            <a:r>
+              <a:rPr lang="en-US" altLang="zh-CN" dirty="0"/>
+              <a:t>FMEA</a:t>
+            </a:r>
+          </a:p>
+          <a:p>
+            <a:pPr lvl="3">
+              <a:buFont typeface="Arial" panose="020B0604020202020204" pitchFamily="34" charset="0"/>
+              <a:buChar char="•"/>
+            </a:pPr>
+            <a:r>
+              <a:rPr lang="en-AU" dirty="0"/>
+              <a:t>Algorithmic Design History File</a:t>
+            </a:r>
+            <a:r>
+              <a:rPr lang="zh-CN" altLang="en-US" dirty="0"/>
+              <a:t> </a:t>
+            </a:r>
+            <a:r>
+              <a:rPr lang="en-US" altLang="zh-CN" dirty="0"/>
+              <a:t>(ADHF)</a:t>
+            </a:r>
+            <a:endParaRPr lang="en-AU" dirty="0"/>
+          </a:p>
+          <a:p>
+            <a:pPr lvl="3">
+              <a:buFont typeface="Arial" panose="020B0604020202020204" pitchFamily="34" charset="0"/>
+              <a:buChar char="•"/>
+            </a:pPr>
+            <a:r>
+              <a:rPr lang="en-AU" dirty="0"/>
+              <a:t>Algorithmic Audit Summary Report</a:t>
+            </a:r>
+          </a:p>
+          <a:p>
+            <a:pPr marL="539750" lvl="3" indent="0">
+              <a:buNone/>
+            </a:pPr>
+            <a:endParaRPr lang="en-US" altLang="zh-CN" dirty="0"/>
+          </a:p>
+        </p:txBody>
+      </p:sp>
+      <p:sp>
+        <p:nvSpPr>
+          <p:cNvPr id="4" name="Slide Number Placeholder 3">
+            <a:extLst>
+              <a:ext uri="{FF2B5EF4-FFF2-40B4-BE49-F238E27FC236}">
+                <a16:creationId xmlns:a16="http://schemas.microsoft.com/office/drawing/2014/main" id="{2F8A162C-8A3D-2A49-8AC7-F72138FCC01E}"/>
+              </a:ext>
+            </a:extLst>
+          </p:cNvPr>
+          <p:cNvSpPr>
+            <a:spLocks noGrp="1"/>
+          </p:cNvSpPr>
+          <p:nvPr>
+            <p:ph type="sldNum" sz="quarter" idx="11"/>
+          </p:nvPr>
+        </p:nvSpPr>
+        <p:spPr/>
+        <p:txBody>
+          <a:bodyPr/>
+          <a:lstStyle/>
+          <a:p>
+            <a:fld id="{5C213CF7-9790-6548-95A9-51DD9168E4DE}" type="slidenum">
+              <a:rPr lang="en-US" smtClean="0"/>
+              <a:pPr/>
+              <a:t>10</a:t>
+            </a:fld>
+            <a:endParaRPr lang="en-US" dirty="0"/>
+          </a:p>
+        </p:txBody>
+      </p:sp>
+    </p:spTree>
+    <p:extLst>
+      <p:ext uri="{BB962C8B-B14F-4D97-AF65-F5344CB8AC3E}">
+        <p14:creationId xmlns:p14="http://schemas.microsoft.com/office/powerpoint/2010/main" val="4192267874"/>
+      </p:ext>
+    </p:extLst>
+  </p:cSld>
+  <p:clrMapOvr>
+    <a:masterClrMapping/>
+  </p:clrMapOvr>
+</p:sld>
+</file>
+
+<file path=ppt/slides/slide12.xml><?xml version="1.0" encoding="utf-8"?>
+<p:sld xmlns:a="http://schemas.openxmlformats.org/drawingml/2006/main" xmlns:r="http://schemas.openxmlformats.org/officeDocument/2006/relationships" xmlns:p="http://schemas.openxmlformats.org/presentationml/2006/main">
+  <p:cSld>
+    <p:spTree>
+      <p:nvGrpSpPr>
+        <p:cNvPr id="1" name=""/>
+        <p:cNvGrpSpPr/>
+        <p:nvPr/>
+      </p:nvGrpSpPr>
+      <p:grpSpPr>
+        <a:xfrm>
+          <a:off x="0" y="0"/>
+          <a:ext cx="0" cy="0"/>
+          <a:chOff x="0" y="0"/>
+          <a:chExt cx="0" cy="0"/>
+        </a:xfrm>
+      </p:grpSpPr>
+      <p:sp>
+        <p:nvSpPr>
+          <p:cNvPr id="2" name="Title 1">
+            <a:extLst>
+              <a:ext uri="{FF2B5EF4-FFF2-40B4-BE49-F238E27FC236}">
+                <a16:creationId xmlns:a16="http://schemas.microsoft.com/office/drawing/2014/main" id="{EA302C0A-A4B1-5C46-AA0A-8400E4F92C27}"/>
+              </a:ext>
+            </a:extLst>
+          </p:cNvPr>
+          <p:cNvSpPr>
+            <a:spLocks noGrp="1"/>
+          </p:cNvSpPr>
+          <p:nvPr>
+            <p:ph type="title"/>
+          </p:nvPr>
+        </p:nvSpPr>
+        <p:spPr/>
+        <p:txBody>
+          <a:bodyPr/>
+          <a:lstStyle/>
+          <a:p>
+            <a:r>
+              <a:rPr lang="en-US" altLang="zh-CN" dirty="0"/>
+              <a:t>The</a:t>
+            </a:r>
+            <a:r>
+              <a:rPr lang="zh-CN" altLang="en-US" dirty="0"/>
+              <a:t> </a:t>
+            </a:r>
+            <a:r>
+              <a:rPr lang="en-US" altLang="zh-CN" dirty="0"/>
+              <a:t>approach</a:t>
+            </a:r>
+            <a:endParaRPr lang="en-AU" dirty="0"/>
+          </a:p>
+        </p:txBody>
+      </p:sp>
+      <p:sp>
+        <p:nvSpPr>
+          <p:cNvPr id="3" name="Text Placeholder 2">
+            <a:extLst>
+              <a:ext uri="{FF2B5EF4-FFF2-40B4-BE49-F238E27FC236}">
+                <a16:creationId xmlns:a16="http://schemas.microsoft.com/office/drawing/2014/main" id="{CB5D08E5-D6CD-7449-8C79-DFA323F0E865}"/>
+              </a:ext>
+            </a:extLst>
+          </p:cNvPr>
+          <p:cNvSpPr>
+            <a:spLocks noGrp="1"/>
+          </p:cNvSpPr>
+          <p:nvPr>
+            <p:ph type="body" idx="10"/>
+          </p:nvPr>
+        </p:nvSpPr>
+        <p:spPr/>
+        <p:txBody>
+          <a:bodyPr/>
+          <a:lstStyle/>
+          <a:p>
+            <a:r>
+              <a:rPr lang="en-US" altLang="zh-CN" b="1" dirty="0"/>
+              <a:t>Limitation</a:t>
+            </a:r>
+          </a:p>
+          <a:p>
+            <a:pPr>
+              <a:buFont typeface="Arial" panose="020B0604020202020204" pitchFamily="34" charset="0"/>
+              <a:buChar char="•"/>
+            </a:pPr>
+            <a:r>
+              <a:rPr lang="en-US" altLang="zh-CN" dirty="0"/>
+              <a:t>Internal</a:t>
+            </a:r>
+            <a:r>
+              <a:rPr lang="zh-CN" altLang="en-US" dirty="0"/>
+              <a:t> </a:t>
+            </a:r>
+            <a:r>
+              <a:rPr lang="en-US" altLang="zh-CN" dirty="0"/>
+              <a:t>audits</a:t>
+            </a:r>
+            <a:r>
+              <a:rPr lang="zh-CN" altLang="en-US" dirty="0"/>
+              <a:t> </a:t>
+            </a:r>
+            <a:r>
+              <a:rPr lang="en-US" altLang="zh-CN" dirty="0"/>
+              <a:t>are</a:t>
+            </a:r>
+            <a:r>
+              <a:rPr lang="zh-CN" altLang="en-US" dirty="0"/>
+              <a:t> </a:t>
+            </a:r>
+            <a:r>
+              <a:rPr lang="en-US" altLang="zh-CN" dirty="0"/>
+              <a:t>only</a:t>
+            </a:r>
+            <a:r>
+              <a:rPr lang="zh-CN" altLang="en-US" dirty="0"/>
+              <a:t> </a:t>
+            </a:r>
+            <a:r>
+              <a:rPr lang="en-US" altLang="zh-CN" dirty="0"/>
+              <a:t>one</a:t>
+            </a:r>
+            <a:r>
+              <a:rPr lang="zh-CN" altLang="en-US" dirty="0"/>
+              <a:t> </a:t>
+            </a:r>
+            <a:r>
+              <a:rPr lang="en-US" altLang="zh-CN" dirty="0"/>
+              <a:t>aspect</a:t>
+            </a:r>
+            <a:r>
+              <a:rPr lang="zh-CN" altLang="en-US" dirty="0"/>
+              <a:t> </a:t>
+            </a:r>
+            <a:r>
+              <a:rPr lang="en-US" altLang="zh-CN" dirty="0"/>
+              <a:t>for</a:t>
+            </a:r>
+            <a:r>
+              <a:rPr lang="zh-CN" altLang="en-US" dirty="0"/>
+              <a:t> </a:t>
+            </a:r>
+            <a:r>
+              <a:rPr lang="en-US" altLang="zh-CN" dirty="0"/>
+              <a:t>quality</a:t>
+            </a:r>
+            <a:r>
+              <a:rPr lang="zh-CN" altLang="en-US" dirty="0"/>
+              <a:t> </a:t>
+            </a:r>
+            <a:r>
+              <a:rPr lang="en-US" altLang="zh-CN" dirty="0"/>
+              <a:t>check</a:t>
+            </a:r>
+          </a:p>
+          <a:p>
+            <a:pPr>
+              <a:buFont typeface="Arial" panose="020B0604020202020204" pitchFamily="34" charset="0"/>
+              <a:buChar char="•"/>
+            </a:pPr>
+            <a:r>
+              <a:rPr lang="en-US" altLang="zh-CN" dirty="0"/>
+              <a:t>Important</a:t>
+            </a:r>
+            <a:r>
+              <a:rPr lang="zh-CN" altLang="en-US" dirty="0"/>
+              <a:t> </a:t>
+            </a:r>
+            <a:r>
+              <a:rPr lang="en-US" altLang="zh-CN" dirty="0"/>
+              <a:t>to</a:t>
+            </a:r>
+            <a:r>
+              <a:rPr lang="zh-CN" altLang="en-US" dirty="0"/>
+              <a:t> </a:t>
+            </a:r>
+            <a:r>
+              <a:rPr lang="en-US" altLang="zh-CN" dirty="0"/>
+              <a:t>maintain</a:t>
+            </a:r>
+            <a:r>
+              <a:rPr lang="zh-CN" altLang="en-US" dirty="0"/>
+              <a:t> </a:t>
+            </a:r>
+            <a:r>
+              <a:rPr lang="en-US" altLang="zh-CN" dirty="0"/>
+              <a:t>an</a:t>
+            </a:r>
+            <a:r>
+              <a:rPr lang="zh-CN" altLang="en-US" dirty="0"/>
+              <a:t> </a:t>
+            </a:r>
+            <a:r>
+              <a:rPr lang="en-US" altLang="zh-CN" dirty="0"/>
+              <a:t>independent</a:t>
+            </a:r>
+            <a:r>
+              <a:rPr lang="zh-CN" altLang="en-US" dirty="0"/>
+              <a:t> </a:t>
+            </a:r>
+            <a:r>
+              <a:rPr lang="en-US" altLang="zh-CN" dirty="0"/>
+              <a:t>and</a:t>
+            </a:r>
+            <a:r>
+              <a:rPr lang="zh-CN" altLang="en-US" dirty="0"/>
+              <a:t> </a:t>
+            </a:r>
+            <a:r>
+              <a:rPr lang="en-US" altLang="zh-CN" dirty="0"/>
+              <a:t>objective</a:t>
+            </a:r>
+            <a:r>
+              <a:rPr lang="zh-CN" altLang="en-US" dirty="0"/>
+              <a:t> </a:t>
+            </a:r>
+            <a:r>
+              <a:rPr lang="en-US" altLang="zh-CN" dirty="0"/>
+              <a:t>viewpoint</a:t>
+            </a:r>
+          </a:p>
+          <a:p>
+            <a:pPr>
+              <a:buFont typeface="Arial" panose="020B0604020202020204" pitchFamily="34" charset="0"/>
+              <a:buChar char="•"/>
+            </a:pPr>
+            <a:r>
+              <a:rPr lang="en-US" altLang="zh-CN" dirty="0"/>
+              <a:t>Audits</a:t>
+            </a:r>
+            <a:r>
+              <a:rPr lang="zh-CN" altLang="en-US" dirty="0"/>
+              <a:t> </a:t>
+            </a:r>
+            <a:r>
+              <a:rPr lang="en-US" altLang="zh-CN" dirty="0"/>
+              <a:t>need</a:t>
+            </a:r>
+            <a:r>
+              <a:rPr lang="zh-CN" altLang="en-US" dirty="0"/>
+              <a:t> </a:t>
+            </a:r>
+            <a:r>
+              <a:rPr lang="en-US" altLang="zh-CN" dirty="0"/>
+              <a:t>to</a:t>
+            </a:r>
+            <a:r>
+              <a:rPr lang="zh-CN" altLang="en-US" dirty="0"/>
+              <a:t> </a:t>
+            </a:r>
+            <a:r>
+              <a:rPr lang="en-US" altLang="zh-CN" dirty="0"/>
+              <a:t>understand</a:t>
+            </a:r>
+            <a:r>
+              <a:rPr lang="zh-CN" altLang="en-US" dirty="0"/>
+              <a:t> </a:t>
+            </a:r>
+            <a:r>
+              <a:rPr lang="en-US" altLang="zh-CN" dirty="0"/>
+              <a:t>context</a:t>
+            </a:r>
+            <a:endParaRPr lang="en-AU" dirty="0"/>
+          </a:p>
+        </p:txBody>
+      </p:sp>
+      <p:sp>
+        <p:nvSpPr>
+          <p:cNvPr id="4" name="Slide Number Placeholder 3">
+            <a:extLst>
+              <a:ext uri="{FF2B5EF4-FFF2-40B4-BE49-F238E27FC236}">
+                <a16:creationId xmlns:a16="http://schemas.microsoft.com/office/drawing/2014/main" id="{0FE7D9C3-2E06-CB4D-8B09-B3ED85041BAD}"/>
+              </a:ext>
+            </a:extLst>
+          </p:cNvPr>
+          <p:cNvSpPr>
+            <a:spLocks noGrp="1"/>
+          </p:cNvSpPr>
+          <p:nvPr>
+            <p:ph type="sldNum" sz="quarter" idx="11"/>
+          </p:nvPr>
+        </p:nvSpPr>
+        <p:spPr/>
+        <p:txBody>
+          <a:bodyPr/>
+          <a:lstStyle/>
+          <a:p>
+            <a:fld id="{5C213CF7-9790-6548-95A9-51DD9168E4DE}" type="slidenum">
+              <a:rPr lang="en-US" smtClean="0"/>
+              <a:pPr/>
+              <a:t>11</a:t>
+            </a:fld>
+            <a:endParaRPr lang="en-US" dirty="0"/>
+          </a:p>
+        </p:txBody>
+      </p:sp>
+    </p:spTree>
+    <p:extLst>
+      <p:ext uri="{BB962C8B-B14F-4D97-AF65-F5344CB8AC3E}">
+        <p14:creationId xmlns:p14="http://schemas.microsoft.com/office/powerpoint/2010/main" val="3790390799"/>
       </p:ext>
     </p:extLst>
   </p:cSld>
